--- a/files/island.pptx
+++ b/files/island.pptx
@@ -5,10 +5,13 @@
     <p:sldMasterId id="2147483648" r:id="rId3"/>
   </p:sldMasterIdLst>
   <p:notesMasterIdLst>
-    <p:notesMasterId r:id="rId5"/>
+    <p:notesMasterId r:id="rId8"/>
   </p:notesMasterIdLst>
   <p:sldIdLst>
     <p:sldId id="2147374394" r:id="rId4"/>
+    <p:sldId id="2147374395" r:id="rId5"/>
+    <p:sldId id="2147374396" r:id="rId6"/>
+    <p:sldId id="2147374397" r:id="rId7"/>
   </p:sldIdLst>
   <p:sldSz cx="9144000" cy="5143500" type="screen16x9"/>
   <p:notesSz cx="6858000" cy="9144000"/>
@@ -5502,6 +5505,999 @@
     <p:extLst>
       <p:ext uri="{BB962C8B-B14F-4D97-AF65-F5344CB8AC3E}">
         <p14:creationId xmlns:p14="http://schemas.microsoft.com/office/powerpoint/2010/main" val="2032600247"/>
+      </p:ext>
+    </p:extLst>
+  </p:cSld>
+  <p:clrMapOvr>
+    <a:masterClrMapping/>
+  </p:clrMapOvr>
+  <mc:AlternateContent xmlns:mc="http://schemas.openxmlformats.org/markup-compatibility/2006" xmlns:p14="http://schemas.microsoft.com/office/powerpoint/2010/main">
+    <mc:Choice Requires="p14">
+      <p:transition spd="med" p14:dur="700">
+        <p:fade/>
+      </p:transition>
+    </mc:Choice>
+    <mc:Fallback xmlns="">
+      <p:transition spd="med">
+        <p:fade/>
+      </p:transition>
+    </mc:Fallback>
+  </mc:AlternateContent>
+</p:sld>
+</file>
+
+<file path=ppt/slides/slide2.xml><?xml version="1.0" encoding="utf-8"?>
+<p:sld xmlns:a="http://schemas.openxmlformats.org/drawingml/2006/main" xmlns:r="http://schemas.openxmlformats.org/officeDocument/2006/relationships" xmlns:p="http://schemas.openxmlformats.org/presentationml/2006/main">
+  <p:cSld>
+    <p:spTree>
+      <p:nvGrpSpPr>
+        <p:cNvPr id="1" name=""/>
+        <p:cNvGrpSpPr/>
+        <p:nvPr/>
+      </p:nvGrpSpPr>
+      <p:grpSpPr>
+        <a:xfrm>
+          <a:off x="0" y="0"/>
+          <a:ext cx="0" cy="0"/>
+          <a:chOff x="0" y="0"/>
+          <a:chExt cx="0" cy="0"/>
+        </a:xfrm>
+      </p:grpSpPr>
+      <p:pic>
+        <p:nvPicPr>
+          <p:cNvPr id="7" name="Picture 6" descr="A graph showing different types of physics&#10;&#10;AI-generated content may be incorrect.">
+            <a:extLst>
+              <a:ext uri="{FF2B5EF4-FFF2-40B4-BE49-F238E27FC236}">
+                <a16:creationId xmlns:a16="http://schemas.microsoft.com/office/drawing/2014/main" id="{66B634AC-3BB1-829F-76E6-DD5CDFA26AF1}"/>
+              </a:ext>
+            </a:extLst>
+          </p:cNvPr>
+          <p:cNvPicPr>
+            <a:picLocks noChangeAspect="1"/>
+          </p:cNvPicPr>
+          <p:nvPr/>
+        </p:nvPicPr>
+        <p:blipFill>
+          <a:blip r:embed="rId2">
+            <a:extLst>
+              <a:ext uri="{28A0092B-C50C-407E-A947-70E740481C1C}">
+                <a14:useLocalDpi xmlns:a14="http://schemas.microsoft.com/office/drawing/2010/main" val="0"/>
+              </a:ext>
+            </a:extLst>
+          </a:blip>
+          <a:stretch>
+            <a:fillRect/>
+          </a:stretch>
+        </p:blipFill>
+        <p:spPr>
+          <a:xfrm>
+            <a:off x="381000" y="514350"/>
+            <a:ext cx="8579357" cy="4495800"/>
+          </a:xfrm>
+          <a:prstGeom prst="rect">
+            <a:avLst/>
+          </a:prstGeom>
+        </p:spPr>
+      </p:pic>
+      <p:sp>
+        <p:nvSpPr>
+          <p:cNvPr id="8" name="Rectangle 7">
+            <a:extLst>
+              <a:ext uri="{FF2B5EF4-FFF2-40B4-BE49-F238E27FC236}">
+                <a16:creationId xmlns:a16="http://schemas.microsoft.com/office/drawing/2014/main" id="{A34F7C27-A94D-1223-0941-49A6605A39E8}"/>
+              </a:ext>
+            </a:extLst>
+          </p:cNvPr>
+          <p:cNvSpPr/>
+          <p:nvPr/>
+        </p:nvSpPr>
+        <p:spPr>
+          <a:xfrm rot="21277792">
+            <a:off x="8224307" y="3829840"/>
+            <a:ext cx="838200" cy="152400"/>
+          </a:xfrm>
+          <a:prstGeom prst="rect">
+            <a:avLst/>
+          </a:prstGeom>
+          <a:solidFill>
+            <a:schemeClr val="bg1"/>
+          </a:solidFill>
+          <a:ln>
+            <a:noFill/>
+          </a:ln>
+        </p:spPr>
+        <p:style>
+          <a:lnRef idx="2">
+            <a:schemeClr val="accent1">
+              <a:shade val="15000"/>
+            </a:schemeClr>
+          </a:lnRef>
+          <a:fillRef idx="1">
+            <a:schemeClr val="accent1"/>
+          </a:fillRef>
+          <a:effectRef idx="0">
+            <a:schemeClr val="accent1"/>
+          </a:effectRef>
+          <a:fontRef idx="minor">
+            <a:schemeClr val="lt1"/>
+          </a:fontRef>
+        </p:style>
+        <p:txBody>
+          <a:bodyPr rtlCol="0" anchor="ctr"/>
+          <a:lstStyle/>
+          <a:p>
+            <a:pPr algn="ctr"/>
+            <a:endParaRPr lang="en-US"/>
+          </a:p>
+        </p:txBody>
+      </p:sp>
+      <p:sp>
+        <p:nvSpPr>
+          <p:cNvPr id="9" name="Rectangle 8">
+            <a:extLst>
+              <a:ext uri="{FF2B5EF4-FFF2-40B4-BE49-F238E27FC236}">
+                <a16:creationId xmlns:a16="http://schemas.microsoft.com/office/drawing/2014/main" id="{2EA1E126-1F3E-4588-B35D-0F955F2E99A4}"/>
+              </a:ext>
+            </a:extLst>
+          </p:cNvPr>
+          <p:cNvSpPr/>
+          <p:nvPr/>
+        </p:nvSpPr>
+        <p:spPr>
+          <a:xfrm>
+            <a:off x="457200" y="285750"/>
+            <a:ext cx="342900" cy="646912"/>
+          </a:xfrm>
+          <a:prstGeom prst="rect">
+            <a:avLst/>
+          </a:prstGeom>
+          <a:solidFill>
+            <a:schemeClr val="bg1"/>
+          </a:solidFill>
+          <a:ln>
+            <a:noFill/>
+          </a:ln>
+        </p:spPr>
+        <p:style>
+          <a:lnRef idx="2">
+            <a:schemeClr val="accent1">
+              <a:shade val="15000"/>
+            </a:schemeClr>
+          </a:lnRef>
+          <a:fillRef idx="1">
+            <a:schemeClr val="accent1"/>
+          </a:fillRef>
+          <a:effectRef idx="0">
+            <a:schemeClr val="accent1"/>
+          </a:effectRef>
+          <a:fontRef idx="minor">
+            <a:schemeClr val="lt1"/>
+          </a:fontRef>
+        </p:style>
+        <p:txBody>
+          <a:bodyPr rtlCol="0" anchor="ctr"/>
+          <a:lstStyle/>
+          <a:p>
+            <a:pPr algn="ctr"/>
+            <a:endParaRPr lang="en-US"/>
+          </a:p>
+        </p:txBody>
+      </p:sp>
+      <p:sp>
+        <p:nvSpPr>
+          <p:cNvPr id="10" name="TextBox 9">
+            <a:extLst>
+              <a:ext uri="{FF2B5EF4-FFF2-40B4-BE49-F238E27FC236}">
+                <a16:creationId xmlns:a16="http://schemas.microsoft.com/office/drawing/2014/main" id="{6181434B-95C8-EA31-7B89-727DBBE0B460}"/>
+              </a:ext>
+            </a:extLst>
+          </p:cNvPr>
+          <p:cNvSpPr txBox="1"/>
+          <p:nvPr/>
+        </p:nvSpPr>
+        <p:spPr>
+          <a:xfrm>
+            <a:off x="4953000" y="4760034"/>
+            <a:ext cx="4273734" cy="369332"/>
+          </a:xfrm>
+          <a:prstGeom prst="rect">
+            <a:avLst/>
+          </a:prstGeom>
+          <a:noFill/>
+        </p:spPr>
+        <p:txBody>
+          <a:bodyPr wrap="none" rtlCol="0">
+            <a:spAutoFit/>
+          </a:bodyPr>
+          <a:lstStyle/>
+          <a:p>
+            <a:r>
+              <a:rPr lang="en-US" dirty="0"/>
+              <a:t>R. Yanagimoto et al., Optica 11, 896 (2024).</a:t>
+            </a:r>
+          </a:p>
+        </p:txBody>
+      </p:sp>
+    </p:spTree>
+    <p:extLst>
+      <p:ext uri="{BB962C8B-B14F-4D97-AF65-F5344CB8AC3E}">
+        <p14:creationId xmlns:p14="http://schemas.microsoft.com/office/powerpoint/2010/main" val="85446571"/>
+      </p:ext>
+    </p:extLst>
+  </p:cSld>
+  <p:clrMapOvr>
+    <a:masterClrMapping/>
+  </p:clrMapOvr>
+  <mc:AlternateContent xmlns:mc="http://schemas.openxmlformats.org/markup-compatibility/2006" xmlns:p14="http://schemas.microsoft.com/office/powerpoint/2010/main">
+    <mc:Choice Requires="p14">
+      <p:transition spd="med" p14:dur="700">
+        <p:fade/>
+      </p:transition>
+    </mc:Choice>
+    <mc:Fallback xmlns="">
+      <p:transition spd="med">
+        <p:fade/>
+      </p:transition>
+    </mc:Fallback>
+  </mc:AlternateContent>
+</p:sld>
+</file>
+
+<file path=ppt/slides/slide3.xml><?xml version="1.0" encoding="utf-8"?>
+<p:sld xmlns:a="http://schemas.openxmlformats.org/drawingml/2006/main" xmlns:r="http://schemas.openxmlformats.org/officeDocument/2006/relationships" xmlns:p="http://schemas.openxmlformats.org/presentationml/2006/main">
+  <p:cSld>
+    <p:spTree>
+      <p:nvGrpSpPr>
+        <p:cNvPr id="1" name=""/>
+        <p:cNvGrpSpPr/>
+        <p:nvPr/>
+      </p:nvGrpSpPr>
+      <p:grpSpPr>
+        <a:xfrm>
+          <a:off x="0" y="0"/>
+          <a:ext cx="0" cy="0"/>
+          <a:chOff x="0" y="0"/>
+          <a:chExt cx="0" cy="0"/>
+        </a:xfrm>
+      </p:grpSpPr>
+      <p:pic>
+        <p:nvPicPr>
+          <p:cNvPr id="6" name="Picture 5" descr="A diagram of a graph&#10;&#10;AI-generated content may be incorrect.">
+            <a:extLst>
+              <a:ext uri="{FF2B5EF4-FFF2-40B4-BE49-F238E27FC236}">
+                <a16:creationId xmlns:a16="http://schemas.microsoft.com/office/drawing/2014/main" id="{4B88884E-8753-1E26-4B1E-CE24B60FEDE0}"/>
+              </a:ext>
+            </a:extLst>
+          </p:cNvPr>
+          <p:cNvPicPr>
+            <a:picLocks noChangeAspect="1"/>
+          </p:cNvPicPr>
+          <p:nvPr/>
+        </p:nvPicPr>
+        <p:blipFill>
+          <a:blip r:embed="rId2">
+            <a:extLst>
+              <a:ext uri="{28A0092B-C50C-407E-A947-70E740481C1C}">
+                <a14:useLocalDpi xmlns:a14="http://schemas.microsoft.com/office/drawing/2010/main" val="0"/>
+              </a:ext>
+            </a:extLst>
+          </a:blip>
+          <a:stretch>
+            <a:fillRect/>
+          </a:stretch>
+        </p:blipFill>
+        <p:spPr>
+          <a:xfrm>
+            <a:off x="838200" y="741158"/>
+            <a:ext cx="7772400" cy="4398040"/>
+          </a:xfrm>
+          <a:prstGeom prst="rect">
+            <a:avLst/>
+          </a:prstGeom>
+        </p:spPr>
+      </p:pic>
+      <p:sp>
+        <p:nvSpPr>
+          <p:cNvPr id="7" name="TextBox 6">
+            <a:extLst>
+              <a:ext uri="{FF2B5EF4-FFF2-40B4-BE49-F238E27FC236}">
+                <a16:creationId xmlns:a16="http://schemas.microsoft.com/office/drawing/2014/main" id="{C24C496A-11D4-2F82-BEC5-9FF3AC2DDB1A}"/>
+              </a:ext>
+            </a:extLst>
+          </p:cNvPr>
+          <p:cNvSpPr txBox="1"/>
+          <p:nvPr/>
+        </p:nvSpPr>
+        <p:spPr>
+          <a:xfrm>
+            <a:off x="1676400" y="310271"/>
+            <a:ext cx="1593706" cy="430887"/>
+          </a:xfrm>
+          <a:prstGeom prst="rect">
+            <a:avLst/>
+          </a:prstGeom>
+          <a:noFill/>
+        </p:spPr>
+        <p:txBody>
+          <a:bodyPr wrap="none" rtlCol="0">
+            <a:spAutoFit/>
+          </a:bodyPr>
+          <a:lstStyle/>
+          <a:p>
+            <a:r>
+              <a:rPr lang="en-US" sz="2200" dirty="0">
+                <a:solidFill>
+                  <a:srgbClr val="FFA556"/>
+                </a:solidFill>
+              </a:rPr>
+              <a:t>Microscopic</a:t>
+            </a:r>
+          </a:p>
+        </p:txBody>
+      </p:sp>
+      <p:sp>
+        <p:nvSpPr>
+          <p:cNvPr id="8" name="TextBox 7">
+            <a:extLst>
+              <a:ext uri="{FF2B5EF4-FFF2-40B4-BE49-F238E27FC236}">
+                <a16:creationId xmlns:a16="http://schemas.microsoft.com/office/drawing/2014/main" id="{0EEE476F-D8ED-AB82-EF59-693A09DE4759}"/>
+              </a:ext>
+            </a:extLst>
+          </p:cNvPr>
+          <p:cNvSpPr txBox="1"/>
+          <p:nvPr/>
+        </p:nvSpPr>
+        <p:spPr>
+          <a:xfrm>
+            <a:off x="3959607" y="310271"/>
+            <a:ext cx="1529586" cy="430887"/>
+          </a:xfrm>
+          <a:prstGeom prst="rect">
+            <a:avLst/>
+          </a:prstGeom>
+          <a:noFill/>
+        </p:spPr>
+        <p:txBody>
+          <a:bodyPr wrap="none" rtlCol="0">
+            <a:spAutoFit/>
+          </a:bodyPr>
+          <a:lstStyle/>
+          <a:p>
+            <a:r>
+              <a:rPr lang="en-US" sz="2200" dirty="0">
+                <a:solidFill>
+                  <a:srgbClr val="62A0CA"/>
+                </a:solidFill>
+              </a:rPr>
+              <a:t>Mesoscopic</a:t>
+            </a:r>
+          </a:p>
+        </p:txBody>
+      </p:sp>
+      <p:sp>
+        <p:nvSpPr>
+          <p:cNvPr id="9" name="TextBox 8">
+            <a:extLst>
+              <a:ext uri="{FF2B5EF4-FFF2-40B4-BE49-F238E27FC236}">
+                <a16:creationId xmlns:a16="http://schemas.microsoft.com/office/drawing/2014/main" id="{31D7C40E-C726-5891-9DE8-AAED8EFE93D8}"/>
+              </a:ext>
+            </a:extLst>
+          </p:cNvPr>
+          <p:cNvSpPr txBox="1"/>
+          <p:nvPr/>
+        </p:nvSpPr>
+        <p:spPr>
+          <a:xfrm>
+            <a:off x="6242814" y="310271"/>
+            <a:ext cx="1640193" cy="430887"/>
+          </a:xfrm>
+          <a:prstGeom prst="rect">
+            <a:avLst/>
+          </a:prstGeom>
+          <a:noFill/>
+        </p:spPr>
+        <p:txBody>
+          <a:bodyPr wrap="none" rtlCol="0">
+            <a:spAutoFit/>
+          </a:bodyPr>
+          <a:lstStyle/>
+          <a:p>
+            <a:r>
+              <a:rPr lang="en-US" sz="2200" dirty="0">
+                <a:solidFill>
+                  <a:srgbClr val="6EBE6E"/>
+                </a:solidFill>
+              </a:rPr>
+              <a:t>Macroscopic</a:t>
+            </a:r>
+          </a:p>
+        </p:txBody>
+      </p:sp>
+    </p:spTree>
+    <p:extLst>
+      <p:ext uri="{BB962C8B-B14F-4D97-AF65-F5344CB8AC3E}">
+        <p14:creationId xmlns:p14="http://schemas.microsoft.com/office/powerpoint/2010/main" val="3729433330"/>
+      </p:ext>
+    </p:extLst>
+  </p:cSld>
+  <p:clrMapOvr>
+    <a:masterClrMapping/>
+  </p:clrMapOvr>
+  <mc:AlternateContent xmlns:mc="http://schemas.openxmlformats.org/markup-compatibility/2006" xmlns:p14="http://schemas.microsoft.com/office/powerpoint/2010/main">
+    <mc:Choice Requires="p14">
+      <p:transition spd="med" p14:dur="700">
+        <p:fade/>
+      </p:transition>
+    </mc:Choice>
+    <mc:Fallback xmlns="">
+      <p:transition spd="med">
+        <p:fade/>
+      </p:transition>
+    </mc:Fallback>
+  </mc:AlternateContent>
+</p:sld>
+</file>
+
+<file path=ppt/slides/slide4.xml><?xml version="1.0" encoding="utf-8"?>
+<p:sld xmlns:a="http://schemas.openxmlformats.org/drawingml/2006/main" xmlns:r="http://schemas.openxmlformats.org/officeDocument/2006/relationships" xmlns:p="http://schemas.openxmlformats.org/presentationml/2006/main">
+  <p:cSld>
+    <p:spTree>
+      <p:nvGrpSpPr>
+        <p:cNvPr id="1" name=""/>
+        <p:cNvGrpSpPr/>
+        <p:nvPr/>
+      </p:nvGrpSpPr>
+      <p:grpSpPr>
+        <a:xfrm>
+          <a:off x="0" y="0"/>
+          <a:ext cx="0" cy="0"/>
+          <a:chOff x="0" y="0"/>
+          <a:chExt cx="0" cy="0"/>
+        </a:xfrm>
+      </p:grpSpPr>
+      <p:pic>
+        <p:nvPicPr>
+          <p:cNvPr id="7" name="Picture 6" descr="Diagram of a diagram showing how light works&#10;&#10;AI-generated content may be incorrect.">
+            <a:extLst>
+              <a:ext uri="{FF2B5EF4-FFF2-40B4-BE49-F238E27FC236}">
+                <a16:creationId xmlns:a16="http://schemas.microsoft.com/office/drawing/2014/main" id="{15B8A488-3ABC-9FB8-0C6A-40FC32589E51}"/>
+              </a:ext>
+            </a:extLst>
+          </p:cNvPr>
+          <p:cNvPicPr>
+            <a:picLocks noChangeAspect="1"/>
+          </p:cNvPicPr>
+          <p:nvPr/>
+        </p:nvPicPr>
+        <p:blipFill>
+          <a:blip r:embed="rId2">
+            <a:extLst>
+              <a:ext uri="{28A0092B-C50C-407E-A947-70E740481C1C}">
+                <a14:useLocalDpi xmlns:a14="http://schemas.microsoft.com/office/drawing/2010/main" val="0"/>
+              </a:ext>
+            </a:extLst>
+          </a:blip>
+          <a:stretch>
+            <a:fillRect/>
+          </a:stretch>
+        </p:blipFill>
+        <p:spPr>
+          <a:xfrm>
+            <a:off x="685800" y="361950"/>
+            <a:ext cx="7772400" cy="4142599"/>
+          </a:xfrm>
+          <a:prstGeom prst="rect">
+            <a:avLst/>
+          </a:prstGeom>
+        </p:spPr>
+      </p:pic>
+      <p:sp>
+        <p:nvSpPr>
+          <p:cNvPr id="8" name="Rectangle 7">
+            <a:extLst>
+              <a:ext uri="{FF2B5EF4-FFF2-40B4-BE49-F238E27FC236}">
+                <a16:creationId xmlns:a16="http://schemas.microsoft.com/office/drawing/2014/main" id="{7950BF8C-9B32-B420-2F63-9E2C4F814AB2}"/>
+              </a:ext>
+            </a:extLst>
+          </p:cNvPr>
+          <p:cNvSpPr/>
+          <p:nvPr/>
+        </p:nvSpPr>
+        <p:spPr>
+          <a:xfrm>
+            <a:off x="705464" y="4108214"/>
+            <a:ext cx="2723535" cy="646912"/>
+          </a:xfrm>
+          <a:prstGeom prst="rect">
+            <a:avLst/>
+          </a:prstGeom>
+          <a:solidFill>
+            <a:schemeClr val="bg1"/>
+          </a:solidFill>
+          <a:ln>
+            <a:noFill/>
+          </a:ln>
+        </p:spPr>
+        <p:style>
+          <a:lnRef idx="2">
+            <a:schemeClr val="accent1">
+              <a:shade val="15000"/>
+            </a:schemeClr>
+          </a:lnRef>
+          <a:fillRef idx="1">
+            <a:schemeClr val="accent1"/>
+          </a:fillRef>
+          <a:effectRef idx="0">
+            <a:schemeClr val="accent1"/>
+          </a:effectRef>
+          <a:fontRef idx="minor">
+            <a:schemeClr val="lt1"/>
+          </a:fontRef>
+        </p:style>
+        <p:txBody>
+          <a:bodyPr rtlCol="0" anchor="ctr"/>
+          <a:lstStyle/>
+          <a:p>
+            <a:pPr algn="ctr"/>
+            <a:endParaRPr lang="en-US"/>
+          </a:p>
+        </p:txBody>
+      </p:sp>
+      <p:sp>
+        <p:nvSpPr>
+          <p:cNvPr id="9" name="Rectangle 8">
+            <a:extLst>
+              <a:ext uri="{FF2B5EF4-FFF2-40B4-BE49-F238E27FC236}">
+                <a16:creationId xmlns:a16="http://schemas.microsoft.com/office/drawing/2014/main" id="{5A72C4F7-9AC4-EEAF-44EA-B81044B3797F}"/>
+              </a:ext>
+            </a:extLst>
+          </p:cNvPr>
+          <p:cNvSpPr/>
+          <p:nvPr/>
+        </p:nvSpPr>
+        <p:spPr>
+          <a:xfrm>
+            <a:off x="685801" y="315495"/>
+            <a:ext cx="609600" cy="646912"/>
+          </a:xfrm>
+          <a:prstGeom prst="rect">
+            <a:avLst/>
+          </a:prstGeom>
+          <a:solidFill>
+            <a:schemeClr val="bg1"/>
+          </a:solidFill>
+          <a:ln>
+            <a:noFill/>
+          </a:ln>
+        </p:spPr>
+        <p:style>
+          <a:lnRef idx="2">
+            <a:schemeClr val="accent1">
+              <a:shade val="15000"/>
+            </a:schemeClr>
+          </a:lnRef>
+          <a:fillRef idx="1">
+            <a:schemeClr val="accent1"/>
+          </a:fillRef>
+          <a:effectRef idx="0">
+            <a:schemeClr val="accent1"/>
+          </a:effectRef>
+          <a:fontRef idx="minor">
+            <a:schemeClr val="lt1"/>
+          </a:fontRef>
+        </p:style>
+        <p:txBody>
+          <a:bodyPr rtlCol="0" anchor="ctr"/>
+          <a:lstStyle/>
+          <a:p>
+            <a:pPr algn="ctr"/>
+            <a:endParaRPr lang="en-US"/>
+          </a:p>
+        </p:txBody>
+      </p:sp>
+      <p:sp>
+        <p:nvSpPr>
+          <p:cNvPr id="10" name="Rectangle 9">
+            <a:extLst>
+              <a:ext uri="{FF2B5EF4-FFF2-40B4-BE49-F238E27FC236}">
+                <a16:creationId xmlns:a16="http://schemas.microsoft.com/office/drawing/2014/main" id="{CD9C6E9E-9170-8AEA-EDCA-81AEFC21F91A}"/>
+              </a:ext>
+            </a:extLst>
+          </p:cNvPr>
+          <p:cNvSpPr/>
+          <p:nvPr/>
+        </p:nvSpPr>
+        <p:spPr>
+          <a:xfrm>
+            <a:off x="7696200" y="1352550"/>
+            <a:ext cx="990600" cy="1295400"/>
+          </a:xfrm>
+          <a:prstGeom prst="rect">
+            <a:avLst/>
+          </a:prstGeom>
+          <a:solidFill>
+            <a:schemeClr val="bg1"/>
+          </a:solidFill>
+          <a:ln>
+            <a:noFill/>
+          </a:ln>
+        </p:spPr>
+        <p:style>
+          <a:lnRef idx="2">
+            <a:schemeClr val="accent1">
+              <a:shade val="15000"/>
+            </a:schemeClr>
+          </a:lnRef>
+          <a:fillRef idx="1">
+            <a:schemeClr val="accent1"/>
+          </a:fillRef>
+          <a:effectRef idx="0">
+            <a:schemeClr val="accent1"/>
+          </a:effectRef>
+          <a:fontRef idx="minor">
+            <a:schemeClr val="lt1"/>
+          </a:fontRef>
+        </p:style>
+        <p:txBody>
+          <a:bodyPr rtlCol="0" anchor="ctr"/>
+          <a:lstStyle/>
+          <a:p>
+            <a:pPr algn="ctr"/>
+            <a:endParaRPr lang="en-US"/>
+          </a:p>
+        </p:txBody>
+      </p:sp>
+      <p:sp>
+        <p:nvSpPr>
+          <p:cNvPr id="11" name="Rectangle 10">
+            <a:extLst>
+              <a:ext uri="{FF2B5EF4-FFF2-40B4-BE49-F238E27FC236}">
+                <a16:creationId xmlns:a16="http://schemas.microsoft.com/office/drawing/2014/main" id="{98903F54-A49A-CDB6-C141-E0C656CF84BE}"/>
+              </a:ext>
+            </a:extLst>
+          </p:cNvPr>
+          <p:cNvSpPr/>
+          <p:nvPr/>
+        </p:nvSpPr>
+        <p:spPr>
+          <a:xfrm rot="20079668">
+            <a:off x="7962901" y="2175106"/>
+            <a:ext cx="990600" cy="1295400"/>
+          </a:xfrm>
+          <a:prstGeom prst="rect">
+            <a:avLst/>
+          </a:prstGeom>
+          <a:solidFill>
+            <a:schemeClr val="bg1"/>
+          </a:solidFill>
+          <a:ln>
+            <a:noFill/>
+          </a:ln>
+        </p:spPr>
+        <p:style>
+          <a:lnRef idx="2">
+            <a:schemeClr val="accent1">
+              <a:shade val="15000"/>
+            </a:schemeClr>
+          </a:lnRef>
+          <a:fillRef idx="1">
+            <a:schemeClr val="accent1"/>
+          </a:fillRef>
+          <a:effectRef idx="0">
+            <a:schemeClr val="accent1"/>
+          </a:effectRef>
+          <a:fontRef idx="minor">
+            <a:schemeClr val="lt1"/>
+          </a:fontRef>
+        </p:style>
+        <p:txBody>
+          <a:bodyPr rtlCol="0" anchor="ctr"/>
+          <a:lstStyle/>
+          <a:p>
+            <a:pPr algn="ctr"/>
+            <a:endParaRPr lang="en-US"/>
+          </a:p>
+        </p:txBody>
+      </p:sp>
+      <p:sp>
+        <p:nvSpPr>
+          <p:cNvPr id="12" name="Rectangle 11">
+            <a:extLst>
+              <a:ext uri="{FF2B5EF4-FFF2-40B4-BE49-F238E27FC236}">
+                <a16:creationId xmlns:a16="http://schemas.microsoft.com/office/drawing/2014/main" id="{11EC96F5-9F9E-D173-FB66-1BAB42C583C1}"/>
+              </a:ext>
+            </a:extLst>
+          </p:cNvPr>
+          <p:cNvSpPr/>
+          <p:nvPr/>
+        </p:nvSpPr>
+        <p:spPr>
+          <a:xfrm rot="21440964">
+            <a:off x="8228655" y="2628988"/>
+            <a:ext cx="990600" cy="1295400"/>
+          </a:xfrm>
+          <a:prstGeom prst="rect">
+            <a:avLst/>
+          </a:prstGeom>
+          <a:solidFill>
+            <a:schemeClr val="bg1"/>
+          </a:solidFill>
+          <a:ln>
+            <a:noFill/>
+          </a:ln>
+        </p:spPr>
+        <p:style>
+          <a:lnRef idx="2">
+            <a:schemeClr val="accent1">
+              <a:shade val="15000"/>
+            </a:schemeClr>
+          </a:lnRef>
+          <a:fillRef idx="1">
+            <a:schemeClr val="accent1"/>
+          </a:fillRef>
+          <a:effectRef idx="0">
+            <a:schemeClr val="accent1"/>
+          </a:effectRef>
+          <a:fontRef idx="minor">
+            <a:schemeClr val="lt1"/>
+          </a:fontRef>
+        </p:style>
+        <p:txBody>
+          <a:bodyPr rtlCol="0" anchor="ctr"/>
+          <a:lstStyle/>
+          <a:p>
+            <a:pPr algn="ctr"/>
+            <a:endParaRPr lang="en-US"/>
+          </a:p>
+        </p:txBody>
+      </p:sp>
+      <p:sp>
+        <p:nvSpPr>
+          <p:cNvPr id="13" name="Rectangle 12">
+            <a:extLst>
+              <a:ext uri="{FF2B5EF4-FFF2-40B4-BE49-F238E27FC236}">
+                <a16:creationId xmlns:a16="http://schemas.microsoft.com/office/drawing/2014/main" id="{43457C18-2128-87CB-3D60-6AC9E8E4F664}"/>
+              </a:ext>
+            </a:extLst>
+          </p:cNvPr>
+          <p:cNvSpPr/>
+          <p:nvPr/>
+        </p:nvSpPr>
+        <p:spPr>
+          <a:xfrm rot="6065695">
+            <a:off x="6964502" y="1127167"/>
+            <a:ext cx="990600" cy="1295400"/>
+          </a:xfrm>
+          <a:prstGeom prst="rect">
+            <a:avLst/>
+          </a:prstGeom>
+          <a:solidFill>
+            <a:schemeClr val="bg1"/>
+          </a:solidFill>
+          <a:ln>
+            <a:noFill/>
+          </a:ln>
+        </p:spPr>
+        <p:style>
+          <a:lnRef idx="2">
+            <a:schemeClr val="accent1">
+              <a:shade val="15000"/>
+            </a:schemeClr>
+          </a:lnRef>
+          <a:fillRef idx="1">
+            <a:schemeClr val="accent1"/>
+          </a:fillRef>
+          <a:effectRef idx="0">
+            <a:schemeClr val="accent1"/>
+          </a:effectRef>
+          <a:fontRef idx="minor">
+            <a:schemeClr val="lt1"/>
+          </a:fontRef>
+        </p:style>
+        <p:txBody>
+          <a:bodyPr rtlCol="0" anchor="ctr"/>
+          <a:lstStyle/>
+          <a:p>
+            <a:pPr algn="ctr"/>
+            <a:endParaRPr lang="en-US"/>
+          </a:p>
+        </p:txBody>
+      </p:sp>
+      <p:sp>
+        <p:nvSpPr>
+          <p:cNvPr id="14" name="Rectangle 13">
+            <a:extLst>
+              <a:ext uri="{FF2B5EF4-FFF2-40B4-BE49-F238E27FC236}">
+                <a16:creationId xmlns:a16="http://schemas.microsoft.com/office/drawing/2014/main" id="{0DB8D60E-8973-69F0-4592-DA02512056C5}"/>
+              </a:ext>
+            </a:extLst>
+          </p:cNvPr>
+          <p:cNvSpPr/>
+          <p:nvPr/>
+        </p:nvSpPr>
+        <p:spPr>
+          <a:xfrm rot="6065695">
+            <a:off x="7732565" y="1348392"/>
+            <a:ext cx="990600" cy="1295400"/>
+          </a:xfrm>
+          <a:prstGeom prst="rect">
+            <a:avLst/>
+          </a:prstGeom>
+          <a:solidFill>
+            <a:schemeClr val="bg1"/>
+          </a:solidFill>
+          <a:ln>
+            <a:noFill/>
+          </a:ln>
+        </p:spPr>
+        <p:style>
+          <a:lnRef idx="2">
+            <a:schemeClr val="accent1">
+              <a:shade val="15000"/>
+            </a:schemeClr>
+          </a:lnRef>
+          <a:fillRef idx="1">
+            <a:schemeClr val="accent1"/>
+          </a:fillRef>
+          <a:effectRef idx="0">
+            <a:schemeClr val="accent1"/>
+          </a:effectRef>
+          <a:fontRef idx="minor">
+            <a:schemeClr val="lt1"/>
+          </a:fontRef>
+        </p:style>
+        <p:txBody>
+          <a:bodyPr rtlCol="0" anchor="ctr"/>
+          <a:lstStyle/>
+          <a:p>
+            <a:pPr algn="ctr"/>
+            <a:endParaRPr lang="en-US"/>
+          </a:p>
+        </p:txBody>
+      </p:sp>
+      <p:sp>
+        <p:nvSpPr>
+          <p:cNvPr id="15" name="Rectangle 14">
+            <a:extLst>
+              <a:ext uri="{FF2B5EF4-FFF2-40B4-BE49-F238E27FC236}">
+                <a16:creationId xmlns:a16="http://schemas.microsoft.com/office/drawing/2014/main" id="{80AD8B1B-35E3-8ECD-6338-BF63F8608A80}"/>
+              </a:ext>
+            </a:extLst>
+          </p:cNvPr>
+          <p:cNvSpPr/>
+          <p:nvPr/>
+        </p:nvSpPr>
+        <p:spPr>
+          <a:xfrm rot="5400000">
+            <a:off x="6806382" y="1221821"/>
+            <a:ext cx="536617" cy="1295400"/>
+          </a:xfrm>
+          <a:prstGeom prst="rect">
+            <a:avLst/>
+          </a:prstGeom>
+          <a:solidFill>
+            <a:schemeClr val="bg1"/>
+          </a:solidFill>
+          <a:ln>
+            <a:noFill/>
+          </a:ln>
+        </p:spPr>
+        <p:style>
+          <a:lnRef idx="2">
+            <a:schemeClr val="accent1">
+              <a:shade val="15000"/>
+            </a:schemeClr>
+          </a:lnRef>
+          <a:fillRef idx="1">
+            <a:schemeClr val="accent1"/>
+          </a:fillRef>
+          <a:effectRef idx="0">
+            <a:schemeClr val="accent1"/>
+          </a:effectRef>
+          <a:fontRef idx="minor">
+            <a:schemeClr val="lt1"/>
+          </a:fontRef>
+        </p:style>
+        <p:txBody>
+          <a:bodyPr rtlCol="0" anchor="ctr"/>
+          <a:lstStyle/>
+          <a:p>
+            <a:pPr algn="ctr"/>
+            <a:endParaRPr lang="en-US"/>
+          </a:p>
+        </p:txBody>
+      </p:sp>
+      <p:sp>
+        <p:nvSpPr>
+          <p:cNvPr id="16" name="Rectangle 15">
+            <a:extLst>
+              <a:ext uri="{FF2B5EF4-FFF2-40B4-BE49-F238E27FC236}">
+                <a16:creationId xmlns:a16="http://schemas.microsoft.com/office/drawing/2014/main" id="{FF2AF858-22BA-35B3-A71C-A6CE97A09FAC}"/>
+              </a:ext>
+            </a:extLst>
+          </p:cNvPr>
+          <p:cNvSpPr/>
+          <p:nvPr/>
+        </p:nvSpPr>
+        <p:spPr>
+          <a:xfrm rot="4693164">
+            <a:off x="7158228" y="1259476"/>
+            <a:ext cx="536617" cy="1295400"/>
+          </a:xfrm>
+          <a:prstGeom prst="rect">
+            <a:avLst/>
+          </a:prstGeom>
+          <a:solidFill>
+            <a:schemeClr val="bg1"/>
+          </a:solidFill>
+          <a:ln>
+            <a:noFill/>
+          </a:ln>
+        </p:spPr>
+        <p:style>
+          <a:lnRef idx="2">
+            <a:schemeClr val="accent1">
+              <a:shade val="15000"/>
+            </a:schemeClr>
+          </a:lnRef>
+          <a:fillRef idx="1">
+            <a:schemeClr val="accent1"/>
+          </a:fillRef>
+          <a:effectRef idx="0">
+            <a:schemeClr val="accent1"/>
+          </a:effectRef>
+          <a:fontRef idx="minor">
+            <a:schemeClr val="lt1"/>
+          </a:fontRef>
+        </p:style>
+        <p:txBody>
+          <a:bodyPr rtlCol="0" anchor="ctr"/>
+          <a:lstStyle/>
+          <a:p>
+            <a:pPr algn="ctr"/>
+            <a:endParaRPr lang="en-US"/>
+          </a:p>
+        </p:txBody>
+      </p:sp>
+      <p:sp>
+        <p:nvSpPr>
+          <p:cNvPr id="17" name="TextBox 16">
+            <a:extLst>
+              <a:ext uri="{FF2B5EF4-FFF2-40B4-BE49-F238E27FC236}">
+                <a16:creationId xmlns:a16="http://schemas.microsoft.com/office/drawing/2014/main" id="{8134E4C9-678A-0191-A37B-FB9EB7F29C16}"/>
+              </a:ext>
+            </a:extLst>
+          </p:cNvPr>
+          <p:cNvSpPr txBox="1"/>
+          <p:nvPr/>
+        </p:nvSpPr>
+        <p:spPr>
+          <a:xfrm>
+            <a:off x="685799" y="4125200"/>
+            <a:ext cx="4410566" cy="369332"/>
+          </a:xfrm>
+          <a:prstGeom prst="rect">
+            <a:avLst/>
+          </a:prstGeom>
+          <a:noFill/>
+        </p:spPr>
+        <p:txBody>
+          <a:bodyPr wrap="none" rtlCol="0">
+            <a:spAutoFit/>
+          </a:bodyPr>
+          <a:lstStyle/>
+          <a:p>
+            <a:r>
+              <a:rPr lang="en-US" dirty="0"/>
+              <a:t>R. Yanagimoto et al., Nature (in press) (2025)</a:t>
+            </a:r>
+          </a:p>
+        </p:txBody>
+      </p:sp>
+    </p:spTree>
+    <p:extLst>
+      <p:ext uri="{BB962C8B-B14F-4D97-AF65-F5344CB8AC3E}">
+        <p14:creationId xmlns:p14="http://schemas.microsoft.com/office/powerpoint/2010/main" val="999516502"/>
       </p:ext>
     </p:extLst>
   </p:cSld>
